--- a/resources/lifecycle.pptx
+++ b/resources/lifecycle.pptx
@@ -104,6 +104,11 @@
       </a:defRPr>
     </a:lvl9pPr>
   </p:defaultTextStyle>
+  <p:extLst>
+    <p:ext uri="{EFAFB233-063F-42B5-8137-9DF3F51BA10A}">
+      <p15:sldGuideLst xmlns:p15="http://schemas.microsoft.com/office/powerpoint/2012/main"/>
+    </p:ext>
+  </p:extLst>
 </p:presentation>
 </file>
 
@@ -254,7 +259,7 @@
           <a:p>
             <a:fld id="{57827AC0-08BB-40AB-9832-358A4E9B3FA3}" type="datetimeFigureOut">
               <a:rPr lang="de-DE" smtClean="0"/>
-              <a:t>30.07.2022</a:t>
+              <a:t>06.08.2022</a:t>
             </a:fld>
             <a:endParaRPr lang="de-DE"/>
           </a:p>
@@ -452,7 +457,7 @@
           <a:p>
             <a:fld id="{57827AC0-08BB-40AB-9832-358A4E9B3FA3}" type="datetimeFigureOut">
               <a:rPr lang="de-DE" smtClean="0"/>
-              <a:t>30.07.2022</a:t>
+              <a:t>06.08.2022</a:t>
             </a:fld>
             <a:endParaRPr lang="de-DE"/>
           </a:p>
@@ -660,7 +665,7 @@
           <a:p>
             <a:fld id="{57827AC0-08BB-40AB-9832-358A4E9B3FA3}" type="datetimeFigureOut">
               <a:rPr lang="de-DE" smtClean="0"/>
-              <a:t>30.07.2022</a:t>
+              <a:t>06.08.2022</a:t>
             </a:fld>
             <a:endParaRPr lang="de-DE"/>
           </a:p>
@@ -858,7 +863,7 @@
           <a:p>
             <a:fld id="{57827AC0-08BB-40AB-9832-358A4E9B3FA3}" type="datetimeFigureOut">
               <a:rPr lang="de-DE" smtClean="0"/>
-              <a:t>30.07.2022</a:t>
+              <a:t>06.08.2022</a:t>
             </a:fld>
             <a:endParaRPr lang="de-DE"/>
           </a:p>
@@ -1133,7 +1138,7 @@
           <a:p>
             <a:fld id="{57827AC0-08BB-40AB-9832-358A4E9B3FA3}" type="datetimeFigureOut">
               <a:rPr lang="de-DE" smtClean="0"/>
-              <a:t>30.07.2022</a:t>
+              <a:t>06.08.2022</a:t>
             </a:fld>
             <a:endParaRPr lang="de-DE"/>
           </a:p>
@@ -1398,7 +1403,7 @@
           <a:p>
             <a:fld id="{57827AC0-08BB-40AB-9832-358A4E9B3FA3}" type="datetimeFigureOut">
               <a:rPr lang="de-DE" smtClean="0"/>
-              <a:t>30.07.2022</a:t>
+              <a:t>06.08.2022</a:t>
             </a:fld>
             <a:endParaRPr lang="de-DE"/>
           </a:p>
@@ -1810,7 +1815,7 @@
           <a:p>
             <a:fld id="{57827AC0-08BB-40AB-9832-358A4E9B3FA3}" type="datetimeFigureOut">
               <a:rPr lang="de-DE" smtClean="0"/>
-              <a:t>30.07.2022</a:t>
+              <a:t>06.08.2022</a:t>
             </a:fld>
             <a:endParaRPr lang="de-DE"/>
           </a:p>
@@ -1951,7 +1956,7 @@
           <a:p>
             <a:fld id="{57827AC0-08BB-40AB-9832-358A4E9B3FA3}" type="datetimeFigureOut">
               <a:rPr lang="de-DE" smtClean="0"/>
-              <a:t>30.07.2022</a:t>
+              <a:t>06.08.2022</a:t>
             </a:fld>
             <a:endParaRPr lang="de-DE"/>
           </a:p>
@@ -2064,7 +2069,7 @@
           <a:p>
             <a:fld id="{57827AC0-08BB-40AB-9832-358A4E9B3FA3}" type="datetimeFigureOut">
               <a:rPr lang="de-DE" smtClean="0"/>
-              <a:t>30.07.2022</a:t>
+              <a:t>06.08.2022</a:t>
             </a:fld>
             <a:endParaRPr lang="de-DE"/>
           </a:p>
@@ -2375,7 +2380,7 @@
           <a:p>
             <a:fld id="{57827AC0-08BB-40AB-9832-358A4E9B3FA3}" type="datetimeFigureOut">
               <a:rPr lang="de-DE" smtClean="0"/>
-              <a:t>30.07.2022</a:t>
+              <a:t>06.08.2022</a:t>
             </a:fld>
             <a:endParaRPr lang="de-DE"/>
           </a:p>
@@ -2663,7 +2668,7 @@
           <a:p>
             <a:fld id="{57827AC0-08BB-40AB-9832-358A4E9B3FA3}" type="datetimeFigureOut">
               <a:rPr lang="de-DE" smtClean="0"/>
-              <a:t>30.07.2022</a:t>
+              <a:t>06.08.2022</a:t>
             </a:fld>
             <a:endParaRPr lang="de-DE"/>
           </a:p>
@@ -2904,7 +2909,7 @@
           <a:p>
             <a:fld id="{57827AC0-08BB-40AB-9832-358A4E9B3FA3}" type="datetimeFigureOut">
               <a:rPr lang="de-DE" smtClean="0"/>
-              <a:t>30.07.2022</a:t>
+              <a:t>06.08.2022</a:t>
             </a:fld>
             <a:endParaRPr lang="de-DE"/>
           </a:p>
@@ -3335,7 +3340,7 @@
         </p:nvSpPr>
         <p:spPr>
           <a:xfrm>
-            <a:off x="3455438" y="3858193"/>
+            <a:off x="4487284" y="3975639"/>
             <a:ext cx="914400" cy="377119"/>
           </a:xfrm>
           <a:prstGeom prst="rect">
@@ -3396,7 +3401,7 @@
         </p:nvSpPr>
         <p:spPr>
           <a:xfrm>
-            <a:off x="4486470" y="1566125"/>
+            <a:off x="5518316" y="1683571"/>
             <a:ext cx="1013926" cy="377119"/>
           </a:xfrm>
           <a:prstGeom prst="rect">
@@ -3457,7 +3462,7 @@
         </p:nvSpPr>
         <p:spPr>
           <a:xfrm>
-            <a:off x="8895184" y="1193670"/>
+            <a:off x="9927030" y="1311116"/>
             <a:ext cx="914400" cy="377119"/>
           </a:xfrm>
           <a:prstGeom prst="rect">
@@ -3518,7 +3523,7 @@
         </p:nvSpPr>
         <p:spPr>
           <a:xfrm>
-            <a:off x="9551438" y="3314112"/>
+            <a:off x="10583284" y="3431558"/>
             <a:ext cx="914400" cy="377119"/>
           </a:xfrm>
           <a:prstGeom prst="rect">
@@ -3584,7 +3589,7 @@
         </p:nvSpPr>
         <p:spPr>
           <a:xfrm>
-            <a:off x="7822163" y="5098651"/>
+            <a:off x="8854009" y="5216097"/>
             <a:ext cx="914400" cy="377119"/>
           </a:xfrm>
           <a:prstGeom prst="rect">
@@ -3645,7 +3650,7 @@
         </p:nvSpPr>
         <p:spPr>
           <a:xfrm>
-            <a:off x="4904792" y="5910203"/>
+            <a:off x="5936638" y="6027649"/>
             <a:ext cx="1191208" cy="377119"/>
           </a:xfrm>
           <a:prstGeom prst="rect">
@@ -3714,7 +3719,7 @@
         </p:nvCxnSpPr>
         <p:spPr>
           <a:xfrm flipV="1">
-            <a:off x="3912638" y="1943244"/>
+            <a:off x="4944484" y="2060690"/>
             <a:ext cx="1080795" cy="1914949"/>
           </a:xfrm>
           <a:prstGeom prst="straightConnector1">
@@ -3756,7 +3761,7 @@
         </p:nvCxnSpPr>
         <p:spPr>
           <a:xfrm flipV="1">
-            <a:off x="5500396" y="1382230"/>
+            <a:off x="6532242" y="1499676"/>
             <a:ext cx="3394788" cy="372455"/>
           </a:xfrm>
           <a:prstGeom prst="straightConnector1">
@@ -3798,7 +3803,7 @@
         </p:nvCxnSpPr>
         <p:spPr>
           <a:xfrm>
-            <a:off x="9352384" y="1570789"/>
+            <a:off x="10384230" y="1688235"/>
             <a:ext cx="656254" cy="1743323"/>
           </a:xfrm>
           <a:prstGeom prst="straightConnector1">
@@ -3840,7 +3845,7 @@
         </p:nvCxnSpPr>
         <p:spPr>
           <a:xfrm flipH="1">
-            <a:off x="8279363" y="3691231"/>
+            <a:off x="9311209" y="3808677"/>
             <a:ext cx="1729275" cy="1407420"/>
           </a:xfrm>
           <a:prstGeom prst="straightConnector1">
@@ -3882,7 +3887,7 @@
         </p:nvCxnSpPr>
         <p:spPr>
           <a:xfrm flipH="1" flipV="1">
-            <a:off x="4369838" y="4046753"/>
+            <a:off x="5401684" y="4164199"/>
             <a:ext cx="3452325" cy="1240458"/>
           </a:xfrm>
           <a:prstGeom prst="straightConnector1">
@@ -3924,7 +3929,7 @@
         </p:nvCxnSpPr>
         <p:spPr>
           <a:xfrm flipH="1">
-            <a:off x="6096000" y="5287211"/>
+            <a:off x="7127846" y="5404657"/>
             <a:ext cx="1726163" cy="811552"/>
           </a:xfrm>
           <a:prstGeom prst="straightConnector1">
@@ -3963,7 +3968,7 @@
         </p:nvSpPr>
         <p:spPr>
           <a:xfrm>
-            <a:off x="762003" y="3872174"/>
+            <a:off x="1793849" y="3989620"/>
             <a:ext cx="914400" cy="377119"/>
           </a:xfrm>
           <a:prstGeom prst="rect">
@@ -4028,7 +4033,7 @@
         </p:nvCxnSpPr>
         <p:spPr>
           <a:xfrm flipV="1">
-            <a:off x="1676403" y="4046753"/>
+            <a:off x="2708249" y="4164199"/>
             <a:ext cx="1779035" cy="13981"/>
           </a:xfrm>
           <a:prstGeom prst="straightConnector1">
@@ -4067,7 +4072,7 @@
         </p:nvSpPr>
         <p:spPr>
           <a:xfrm>
-            <a:off x="634482" y="1557023"/>
+            <a:off x="1666328" y="1674469"/>
             <a:ext cx="1687285" cy="377119"/>
           </a:xfrm>
           <a:prstGeom prst="rect">
@@ -4136,7 +4141,7 @@
         </p:nvCxnSpPr>
         <p:spPr>
           <a:xfrm flipH="1" flipV="1">
-            <a:off x="2321767" y="1745583"/>
+            <a:off x="3353613" y="1863029"/>
             <a:ext cx="2164703" cy="9102"/>
           </a:xfrm>
           <a:prstGeom prst="straightConnector1">
@@ -4178,7 +4183,7 @@
         </p:nvCxnSpPr>
         <p:spPr>
           <a:xfrm>
-            <a:off x="1478125" y="1934142"/>
+            <a:off x="2509971" y="2051588"/>
             <a:ext cx="2434513" cy="1924051"/>
           </a:xfrm>
           <a:prstGeom prst="straightConnector1">
@@ -4217,7 +4222,7 @@
         </p:nvSpPr>
         <p:spPr>
           <a:xfrm>
-            <a:off x="2724278" y="1349989"/>
+            <a:off x="3756124" y="1467435"/>
             <a:ext cx="1475276" cy="369332"/>
           </a:xfrm>
           <a:prstGeom prst="rect">
@@ -4265,7 +4270,7 @@
         </p:nvSpPr>
         <p:spPr>
           <a:xfrm>
-            <a:off x="1219203" y="2480189"/>
+            <a:off x="2251049" y="2597635"/>
             <a:ext cx="1558989" cy="923330"/>
           </a:xfrm>
           <a:prstGeom prst="rect">
@@ -4317,7 +4322,7 @@
         </p:nvSpPr>
         <p:spPr>
           <a:xfrm>
-            <a:off x="5964480" y="1103284"/>
+            <a:off x="6996326" y="1220730"/>
             <a:ext cx="2491388" cy="369332"/>
           </a:xfrm>
           <a:prstGeom prst="rect">
@@ -4368,7 +4373,7 @@
         </p:nvSpPr>
         <p:spPr>
           <a:xfrm>
-            <a:off x="4663915" y="2757188"/>
+            <a:off x="5695761" y="2874634"/>
             <a:ext cx="2020810" cy="369332"/>
           </a:xfrm>
           <a:prstGeom prst="rect">
@@ -4416,7 +4421,7 @@
         </p:nvSpPr>
         <p:spPr>
           <a:xfrm>
-            <a:off x="9809584" y="2071396"/>
+            <a:off x="10841430" y="2188842"/>
             <a:ext cx="1247192" cy="646331"/>
           </a:xfrm>
           <a:prstGeom prst="rect">
@@ -4464,7 +4469,7 @@
         </p:nvSpPr>
         <p:spPr>
           <a:xfrm>
-            <a:off x="9249745" y="4192608"/>
+            <a:off x="10281591" y="4310054"/>
             <a:ext cx="1247191" cy="923330"/>
           </a:xfrm>
           <a:prstGeom prst="rect">
@@ -4520,7 +4525,7 @@
         </p:nvSpPr>
         <p:spPr>
           <a:xfrm>
-            <a:off x="5319261" y="4164608"/>
+            <a:off x="6351107" y="4282054"/>
             <a:ext cx="2810000" cy="369332"/>
           </a:xfrm>
           <a:prstGeom prst="rect">
@@ -4584,7 +4589,7 @@
         </p:nvSpPr>
         <p:spPr>
           <a:xfrm>
-            <a:off x="6892871" y="5739980"/>
+            <a:off x="7924717" y="5857426"/>
             <a:ext cx="2251129" cy="369332"/>
           </a:xfrm>
           <a:prstGeom prst="rect">
@@ -4648,7 +4653,7 @@
         </p:nvSpPr>
         <p:spPr>
           <a:xfrm>
-            <a:off x="1569512" y="4244418"/>
+            <a:off x="2601358" y="4361864"/>
             <a:ext cx="2020810" cy="369332"/>
           </a:xfrm>
           <a:prstGeom prst="rect">
@@ -4677,6 +4682,163 @@
             <a:r>
               <a:rPr lang="de-DE" dirty="0" err="1"/>
               <a:t>finished</a:t>
+            </a:r>
+            <a:endParaRPr lang="de-DE" dirty="0"/>
+          </a:p>
+        </p:txBody>
+      </p:sp>
+      <p:sp>
+        <p:nvSpPr>
+          <p:cNvPr id="29" name="Rechteck 28">
+            <a:extLst>
+              <a:ext uri="{FF2B5EF4-FFF2-40B4-BE49-F238E27FC236}">
+                <a16:creationId xmlns:a16="http://schemas.microsoft.com/office/drawing/2014/main" id="{5D0C9500-8E49-5606-F6E9-8F03B5B119A2}"/>
+              </a:ext>
+            </a:extLst>
+          </p:cNvPr>
+          <p:cNvSpPr/>
+          <p:nvPr/>
+        </p:nvSpPr>
+        <p:spPr>
+          <a:xfrm>
+            <a:off x="150884" y="3989640"/>
+            <a:ext cx="914400" cy="377119"/>
+          </a:xfrm>
+          <a:prstGeom prst="rect">
+            <a:avLst/>
+          </a:prstGeom>
+          <a:solidFill>
+            <a:schemeClr val="bg1"/>
+          </a:solidFill>
+          <a:ln>
+            <a:solidFill>
+              <a:schemeClr val="tx1"/>
+            </a:solidFill>
+          </a:ln>
+        </p:spPr>
+        <p:style>
+          <a:lnRef idx="2">
+            <a:schemeClr val="accent1">
+              <a:shade val="50000"/>
+            </a:schemeClr>
+          </a:lnRef>
+          <a:fillRef idx="1">
+            <a:schemeClr val="accent1"/>
+          </a:fillRef>
+          <a:effectRef idx="0">
+            <a:schemeClr val="accent1"/>
+          </a:effectRef>
+          <a:fontRef idx="minor">
+            <a:schemeClr val="lt1"/>
+          </a:fontRef>
+        </p:style>
+        <p:txBody>
+          <a:bodyPr rtlCol="0" anchor="ctr"/>
+          <a:lstStyle/>
+          <a:p>
+            <a:pPr algn="ctr"/>
+            <a:r>
+              <a:rPr lang="de-DE" dirty="0" err="1">
+                <a:solidFill>
+                  <a:schemeClr val="tx1"/>
+                </a:solidFill>
+              </a:rPr>
+              <a:t>Loading</a:t>
+            </a:r>
+            <a:endParaRPr lang="de-DE" dirty="0">
+              <a:solidFill>
+                <a:schemeClr val="tx1"/>
+              </a:solidFill>
+            </a:endParaRPr>
+          </a:p>
+        </p:txBody>
+      </p:sp>
+      <p:cxnSp>
+        <p:nvCxnSpPr>
+          <p:cNvPr id="30" name="Gerade Verbindung mit Pfeil 29">
+            <a:extLst>
+              <a:ext uri="{FF2B5EF4-FFF2-40B4-BE49-F238E27FC236}">
+                <a16:creationId xmlns:a16="http://schemas.microsoft.com/office/drawing/2014/main" id="{21D15BF0-9B23-651B-E72B-F51BAA7FE314}"/>
+              </a:ext>
+            </a:extLst>
+          </p:cNvPr>
+          <p:cNvCxnSpPr>
+            <a:cxnSpLocks/>
+            <a:stCxn id="29" idx="3"/>
+            <a:endCxn id="26" idx="1"/>
+          </p:cNvCxnSpPr>
+          <p:nvPr/>
+        </p:nvCxnSpPr>
+        <p:spPr>
+          <a:xfrm flipV="1">
+            <a:off x="1065284" y="4178180"/>
+            <a:ext cx="728565" cy="20"/>
+          </a:xfrm>
+          <a:prstGeom prst="straightConnector1">
+            <a:avLst/>
+          </a:prstGeom>
+          <a:ln>
+            <a:tailEnd type="triangle"/>
+          </a:ln>
+        </p:spPr>
+        <p:style>
+          <a:lnRef idx="1">
+            <a:schemeClr val="dk1"/>
+          </a:lnRef>
+          <a:fillRef idx="0">
+            <a:schemeClr val="dk1"/>
+          </a:fillRef>
+          <a:effectRef idx="0">
+            <a:schemeClr val="dk1"/>
+          </a:effectRef>
+          <a:fontRef idx="minor">
+            <a:schemeClr val="tx1"/>
+          </a:fontRef>
+        </p:style>
+      </p:cxnSp>
+      <p:sp>
+        <p:nvSpPr>
+          <p:cNvPr id="10" name="Textfeld 9">
+            <a:extLst>
+              <a:ext uri="{FF2B5EF4-FFF2-40B4-BE49-F238E27FC236}">
+                <a16:creationId xmlns:a16="http://schemas.microsoft.com/office/drawing/2014/main" id="{DF9FE9B0-A981-ED7E-797B-5B8C9DBCAB85}"/>
+              </a:ext>
+            </a:extLst>
+          </p:cNvPr>
+          <p:cNvSpPr txBox="1"/>
+          <p:nvPr/>
+        </p:nvSpPr>
+        <p:spPr>
+          <a:xfrm>
+            <a:off x="648928" y="3624011"/>
+            <a:ext cx="1744773" cy="369332"/>
+          </a:xfrm>
+          <a:prstGeom prst="rect">
+            <a:avLst/>
+          </a:prstGeom>
+          <a:noFill/>
+        </p:spPr>
+        <p:txBody>
+          <a:bodyPr wrap="none" rtlCol="0">
+            <a:spAutoFit/>
+          </a:bodyPr>
+          <a:lstStyle/>
+          <a:p>
+            <a:r>
+              <a:rPr lang="de-DE" dirty="0"/>
+              <a:t>All </a:t>
+            </a:r>
+            <a:r>
+              <a:rPr lang="de-DE" dirty="0" err="1"/>
+              <a:t>assets</a:t>
+            </a:r>
+            <a:r>
+              <a:rPr lang="de-DE" dirty="0"/>
+              <a:t> </a:t>
+            </a:r>
+            <a:r>
+              <a:rPr lang="de-DE" dirty="0" err="1"/>
+              <a:t>loaded</a:t>
             </a:r>
             <a:endParaRPr lang="de-DE" dirty="0"/>
           </a:p>

--- a/resources/lifecycle.pptx
+++ b/resources/lifecycle.pptx
@@ -259,7 +259,7 @@
           <a:p>
             <a:fld id="{57827AC0-08BB-40AB-9832-358A4E9B3FA3}" type="datetimeFigureOut">
               <a:rPr lang="de-DE" smtClean="0"/>
-              <a:t>06.08.2022</a:t>
+              <a:t>25.09.2022</a:t>
             </a:fld>
             <a:endParaRPr lang="de-DE"/>
           </a:p>
@@ -457,7 +457,7 @@
           <a:p>
             <a:fld id="{57827AC0-08BB-40AB-9832-358A4E9B3FA3}" type="datetimeFigureOut">
               <a:rPr lang="de-DE" smtClean="0"/>
-              <a:t>06.08.2022</a:t>
+              <a:t>25.09.2022</a:t>
             </a:fld>
             <a:endParaRPr lang="de-DE"/>
           </a:p>
@@ -665,7 +665,7 @@
           <a:p>
             <a:fld id="{57827AC0-08BB-40AB-9832-358A4E9B3FA3}" type="datetimeFigureOut">
               <a:rPr lang="de-DE" smtClean="0"/>
-              <a:t>06.08.2022</a:t>
+              <a:t>25.09.2022</a:t>
             </a:fld>
             <a:endParaRPr lang="de-DE"/>
           </a:p>
@@ -863,7 +863,7 @@
           <a:p>
             <a:fld id="{57827AC0-08BB-40AB-9832-358A4E9B3FA3}" type="datetimeFigureOut">
               <a:rPr lang="de-DE" smtClean="0"/>
-              <a:t>06.08.2022</a:t>
+              <a:t>25.09.2022</a:t>
             </a:fld>
             <a:endParaRPr lang="de-DE"/>
           </a:p>
@@ -1138,7 +1138,7 @@
           <a:p>
             <a:fld id="{57827AC0-08BB-40AB-9832-358A4E9B3FA3}" type="datetimeFigureOut">
               <a:rPr lang="de-DE" smtClean="0"/>
-              <a:t>06.08.2022</a:t>
+              <a:t>25.09.2022</a:t>
             </a:fld>
             <a:endParaRPr lang="de-DE"/>
           </a:p>
@@ -1403,7 +1403,7 @@
           <a:p>
             <a:fld id="{57827AC0-08BB-40AB-9832-358A4E9B3FA3}" type="datetimeFigureOut">
               <a:rPr lang="de-DE" smtClean="0"/>
-              <a:t>06.08.2022</a:t>
+              <a:t>25.09.2022</a:t>
             </a:fld>
             <a:endParaRPr lang="de-DE"/>
           </a:p>
@@ -1815,7 +1815,7 @@
           <a:p>
             <a:fld id="{57827AC0-08BB-40AB-9832-358A4E9B3FA3}" type="datetimeFigureOut">
               <a:rPr lang="de-DE" smtClean="0"/>
-              <a:t>06.08.2022</a:t>
+              <a:t>25.09.2022</a:t>
             </a:fld>
             <a:endParaRPr lang="de-DE"/>
           </a:p>
@@ -1956,7 +1956,7 @@
           <a:p>
             <a:fld id="{57827AC0-08BB-40AB-9832-358A4E9B3FA3}" type="datetimeFigureOut">
               <a:rPr lang="de-DE" smtClean="0"/>
-              <a:t>06.08.2022</a:t>
+              <a:t>25.09.2022</a:t>
             </a:fld>
             <a:endParaRPr lang="de-DE"/>
           </a:p>
@@ -2069,7 +2069,7 @@
           <a:p>
             <a:fld id="{57827AC0-08BB-40AB-9832-358A4E9B3FA3}" type="datetimeFigureOut">
               <a:rPr lang="de-DE" smtClean="0"/>
-              <a:t>06.08.2022</a:t>
+              <a:t>25.09.2022</a:t>
             </a:fld>
             <a:endParaRPr lang="de-DE"/>
           </a:p>
@@ -2380,7 +2380,7 @@
           <a:p>
             <a:fld id="{57827AC0-08BB-40AB-9832-358A4E9B3FA3}" type="datetimeFigureOut">
               <a:rPr lang="de-DE" smtClean="0"/>
-              <a:t>06.08.2022</a:t>
+              <a:t>25.09.2022</a:t>
             </a:fld>
             <a:endParaRPr lang="de-DE"/>
           </a:p>
@@ -2668,7 +2668,7 @@
           <a:p>
             <a:fld id="{57827AC0-08BB-40AB-9832-358A4E9B3FA3}" type="datetimeFigureOut">
               <a:rPr lang="de-DE" smtClean="0"/>
-              <a:t>06.08.2022</a:t>
+              <a:t>25.09.2022</a:t>
             </a:fld>
             <a:endParaRPr lang="de-DE"/>
           </a:p>
@@ -2909,7 +2909,7 @@
           <a:p>
             <a:fld id="{57827AC0-08BB-40AB-9832-358A4E9B3FA3}" type="datetimeFigureOut">
               <a:rPr lang="de-DE" smtClean="0"/>
-              <a:t>06.08.2022</a:t>
+              <a:t>25.09.2022</a:t>
             </a:fld>
             <a:endParaRPr lang="de-DE"/>
           </a:p>
@@ -4844,6 +4844,230 @@
           </a:p>
         </p:txBody>
       </p:sp>
+      <p:sp>
+        <p:nvSpPr>
+          <p:cNvPr id="2" name="Rechteck 1">
+            <a:extLst>
+              <a:ext uri="{FF2B5EF4-FFF2-40B4-BE49-F238E27FC236}">
+                <a16:creationId xmlns:a16="http://schemas.microsoft.com/office/drawing/2014/main" id="{ADFA6139-3143-781C-0081-07A5140232A9}"/>
+              </a:ext>
+            </a:extLst>
+          </p:cNvPr>
+          <p:cNvSpPr/>
+          <p:nvPr/>
+        </p:nvSpPr>
+        <p:spPr>
+          <a:xfrm>
+            <a:off x="5110059" y="218227"/>
+            <a:ext cx="1830440" cy="377119"/>
+          </a:xfrm>
+          <a:prstGeom prst="rect">
+            <a:avLst/>
+          </a:prstGeom>
+          <a:solidFill>
+            <a:schemeClr val="bg1"/>
+          </a:solidFill>
+          <a:ln>
+            <a:solidFill>
+              <a:schemeClr val="tx1"/>
+            </a:solidFill>
+          </a:ln>
+        </p:spPr>
+        <p:style>
+          <a:lnRef idx="2">
+            <a:schemeClr val="accent1">
+              <a:shade val="50000"/>
+            </a:schemeClr>
+          </a:lnRef>
+          <a:fillRef idx="1">
+            <a:schemeClr val="accent1"/>
+          </a:fillRef>
+          <a:effectRef idx="0">
+            <a:schemeClr val="accent1"/>
+          </a:effectRef>
+          <a:fontRef idx="minor">
+            <a:schemeClr val="lt1"/>
+          </a:fontRef>
+        </p:style>
+        <p:txBody>
+          <a:bodyPr rtlCol="0" anchor="ctr"/>
+          <a:lstStyle/>
+          <a:p>
+            <a:pPr algn="ctr"/>
+            <a:r>
+              <a:rPr lang="de-DE" dirty="0" err="1">
+                <a:solidFill>
+                  <a:schemeClr val="tx1"/>
+                </a:solidFill>
+              </a:rPr>
+              <a:t>GhostEatenPause</a:t>
+            </a:r>
+            <a:endParaRPr lang="de-DE" dirty="0">
+              <a:solidFill>
+                <a:schemeClr val="tx1"/>
+              </a:solidFill>
+            </a:endParaRPr>
+          </a:p>
+        </p:txBody>
+      </p:sp>
+      <p:cxnSp>
+        <p:nvCxnSpPr>
+          <p:cNvPr id="12" name="Gerade Verbindung mit Pfeil 11">
+            <a:extLst>
+              <a:ext uri="{FF2B5EF4-FFF2-40B4-BE49-F238E27FC236}">
+                <a16:creationId xmlns:a16="http://schemas.microsoft.com/office/drawing/2014/main" id="{A8C6D7FA-7649-39E6-3393-34D88555240F}"/>
+              </a:ext>
+            </a:extLst>
+          </p:cNvPr>
+          <p:cNvCxnSpPr/>
+          <p:nvPr/>
+        </p:nvCxnSpPr>
+        <p:spPr>
+          <a:xfrm flipV="1">
+            <a:off x="6434356" y="595346"/>
+            <a:ext cx="0" cy="1079123"/>
+          </a:xfrm>
+          <a:prstGeom prst="straightConnector1">
+            <a:avLst/>
+          </a:prstGeom>
+          <a:ln>
+            <a:tailEnd type="triangle"/>
+          </a:ln>
+        </p:spPr>
+        <p:style>
+          <a:lnRef idx="1">
+            <a:schemeClr val="dk1"/>
+          </a:lnRef>
+          <a:fillRef idx="0">
+            <a:schemeClr val="dk1"/>
+          </a:fillRef>
+          <a:effectRef idx="0">
+            <a:schemeClr val="dk1"/>
+          </a:effectRef>
+          <a:fontRef idx="minor">
+            <a:schemeClr val="tx1"/>
+          </a:fontRef>
+        </p:style>
+      </p:cxnSp>
+      <p:cxnSp>
+        <p:nvCxnSpPr>
+          <p:cNvPr id="16" name="Gerade Verbindung mit Pfeil 15">
+            <a:extLst>
+              <a:ext uri="{FF2B5EF4-FFF2-40B4-BE49-F238E27FC236}">
+                <a16:creationId xmlns:a16="http://schemas.microsoft.com/office/drawing/2014/main" id="{E2D411AC-F4C3-3CCC-A66E-752B1C809A9E}"/>
+              </a:ext>
+            </a:extLst>
+          </p:cNvPr>
+          <p:cNvCxnSpPr/>
+          <p:nvPr/>
+        </p:nvCxnSpPr>
+        <p:spPr>
+          <a:xfrm>
+            <a:off x="5695761" y="595346"/>
+            <a:ext cx="0" cy="1088225"/>
+          </a:xfrm>
+          <a:prstGeom prst="straightConnector1">
+            <a:avLst/>
+          </a:prstGeom>
+          <a:ln>
+            <a:tailEnd type="triangle"/>
+          </a:ln>
+        </p:spPr>
+        <p:style>
+          <a:lnRef idx="1">
+            <a:schemeClr val="dk1"/>
+          </a:lnRef>
+          <a:fillRef idx="0">
+            <a:schemeClr val="dk1"/>
+          </a:fillRef>
+          <a:effectRef idx="0">
+            <a:schemeClr val="dk1"/>
+          </a:effectRef>
+          <a:fontRef idx="minor">
+            <a:schemeClr val="tx1"/>
+          </a:fontRef>
+        </p:style>
+      </p:cxnSp>
+      <p:sp>
+        <p:nvSpPr>
+          <p:cNvPr id="18" name="Textfeld 17">
+            <a:extLst>
+              <a:ext uri="{FF2B5EF4-FFF2-40B4-BE49-F238E27FC236}">
+                <a16:creationId xmlns:a16="http://schemas.microsoft.com/office/drawing/2014/main" id="{8B9F8823-DD57-D5A7-F18E-A299277E99BA}"/>
+              </a:ext>
+            </a:extLst>
+          </p:cNvPr>
+          <p:cNvSpPr txBox="1"/>
+          <p:nvPr/>
+        </p:nvSpPr>
+        <p:spPr>
+          <a:xfrm>
+            <a:off x="6434356" y="678179"/>
+            <a:ext cx="1289969" cy="369332"/>
+          </a:xfrm>
+          <a:prstGeom prst="rect">
+            <a:avLst/>
+          </a:prstGeom>
+          <a:noFill/>
+        </p:spPr>
+        <p:txBody>
+          <a:bodyPr wrap="none" rtlCol="0">
+            <a:spAutoFit/>
+          </a:bodyPr>
+          <a:lstStyle/>
+          <a:p>
+            <a:r>
+              <a:rPr lang="de-DE" dirty="0"/>
+              <a:t>ghost </a:t>
+            </a:r>
+            <a:r>
+              <a:rPr lang="de-DE" dirty="0" err="1"/>
+              <a:t>eaten</a:t>
+            </a:r>
+            <a:endParaRPr lang="de-DE" dirty="0"/>
+          </a:p>
+        </p:txBody>
+      </p:sp>
+      <p:sp>
+        <p:nvSpPr>
+          <p:cNvPr id="20" name="Textfeld 19">
+            <a:extLst>
+              <a:ext uri="{FF2B5EF4-FFF2-40B4-BE49-F238E27FC236}">
+                <a16:creationId xmlns:a16="http://schemas.microsoft.com/office/drawing/2014/main" id="{BF3E6866-FBC8-90B4-16D3-7600E363C559}"/>
+              </a:ext>
+            </a:extLst>
+          </p:cNvPr>
+          <p:cNvSpPr txBox="1"/>
+          <p:nvPr/>
+        </p:nvSpPr>
+        <p:spPr>
+          <a:xfrm>
+            <a:off x="4424245" y="696791"/>
+            <a:ext cx="1316386" cy="369332"/>
+          </a:xfrm>
+          <a:prstGeom prst="rect">
+            <a:avLst/>
+          </a:prstGeom>
+          <a:noFill/>
+        </p:spPr>
+        <p:txBody>
+          <a:bodyPr wrap="none" rtlCol="0">
+            <a:spAutoFit/>
+          </a:bodyPr>
+          <a:lstStyle/>
+          <a:p>
+            <a:r>
+              <a:rPr lang="de-DE" dirty="0"/>
+              <a:t>time </a:t>
+            </a:r>
+            <a:r>
+              <a:rPr lang="de-DE" dirty="0" err="1"/>
+              <a:t>passed</a:t>
+            </a:r>
+            <a:endParaRPr lang="de-DE" dirty="0"/>
+          </a:p>
+        </p:txBody>
+      </p:sp>
     </p:spTree>
     <p:extLst>
       <p:ext uri="{BB962C8B-B14F-4D97-AF65-F5344CB8AC3E}">
